--- a/ppt 16-9/0437.行进之歌.pptx
+++ b/ppt 16-9/0437.行进之歌.pptx
@@ -129,7 +129,7 @@
           <p:cNvPr id="2" name="标题 1">
             <a:extLst>
               <a:ext uri="{FF2B5EF4-FFF2-40B4-BE49-F238E27FC236}">
-                <a16:creationId xmlns:a16="http://schemas.microsoft.com/office/drawing/2014/main" id="{AAE5967D-D3BB-2008-4061-4394BCEDF78A}"/>
+                <a16:creationId xmlns:a16="http://schemas.microsoft.com/office/drawing/2014/main" id="{D9517922-EC5B-2474-5902-D0AFBF78D6C2}"/>
               </a:ext>
             </a:extLst>
           </p:cNvPr>
@@ -166,7 +166,7 @@
           <p:cNvPr id="3" name="副标题 2">
             <a:extLst>
               <a:ext uri="{FF2B5EF4-FFF2-40B4-BE49-F238E27FC236}">
-                <a16:creationId xmlns:a16="http://schemas.microsoft.com/office/drawing/2014/main" id="{4CC2968E-10C3-0EC5-4302-FBE17CCE9A8B}"/>
+                <a16:creationId xmlns:a16="http://schemas.microsoft.com/office/drawing/2014/main" id="{207508F4-E6AD-C852-251C-FCFC15C88132}"/>
               </a:ext>
             </a:extLst>
           </p:cNvPr>
@@ -236,7 +236,7 @@
           <p:cNvPr id="4" name="日期占位符 3">
             <a:extLst>
               <a:ext uri="{FF2B5EF4-FFF2-40B4-BE49-F238E27FC236}">
-                <a16:creationId xmlns:a16="http://schemas.microsoft.com/office/drawing/2014/main" id="{0CF883F8-CDBD-FE73-C555-0F36698870C0}"/>
+                <a16:creationId xmlns:a16="http://schemas.microsoft.com/office/drawing/2014/main" id="{A6133097-E9C0-4096-0178-5F0BDF9C6700}"/>
               </a:ext>
             </a:extLst>
           </p:cNvPr>
@@ -252,7 +252,7 @@
           <a:bodyPr/>
           <a:lstStyle/>
           <a:p>
-            <a:fld id="{2546728E-B304-4E69-BE05-4301552E45F3}" type="datetimeFigureOut">
+            <a:fld id="{7725A6B7-D247-4098-A1E8-A9A8E4582BD2}" type="datetimeFigureOut">
               <a:rPr lang="zh-CN" altLang="en-US" smtClean="0"/>
               <a:t>2024/3/10</a:t>
             </a:fld>
@@ -265,7 +265,7 @@
           <p:cNvPr id="5" name="页脚占位符 4">
             <a:extLst>
               <a:ext uri="{FF2B5EF4-FFF2-40B4-BE49-F238E27FC236}">
-                <a16:creationId xmlns:a16="http://schemas.microsoft.com/office/drawing/2014/main" id="{A9AE1A9D-E4F4-4AF6-42B9-45C3A7D6B08F}"/>
+                <a16:creationId xmlns:a16="http://schemas.microsoft.com/office/drawing/2014/main" id="{8CA81166-5819-72D1-4D3B-04B28B47F9C1}"/>
               </a:ext>
             </a:extLst>
           </p:cNvPr>
@@ -290,7 +290,7 @@
           <p:cNvPr id="6" name="灯片编号占位符 5">
             <a:extLst>
               <a:ext uri="{FF2B5EF4-FFF2-40B4-BE49-F238E27FC236}">
-                <a16:creationId xmlns:a16="http://schemas.microsoft.com/office/drawing/2014/main" id="{15F921A1-8735-C50B-E54E-2456D587008C}"/>
+                <a16:creationId xmlns:a16="http://schemas.microsoft.com/office/drawing/2014/main" id="{90D311AB-907A-7B7A-C306-F30BE823EACD}"/>
               </a:ext>
             </a:extLst>
           </p:cNvPr>
@@ -306,7 +306,7 @@
           <a:bodyPr/>
           <a:lstStyle/>
           <a:p>
-            <a:fld id="{2651244C-2F23-43F7-8FB2-709C0807DD5F}" type="slidenum">
+            <a:fld id="{6D191B5E-7A01-4898-AE73-51E2E880B731}" type="slidenum">
               <a:rPr lang="zh-CN" altLang="en-US" smtClean="0"/>
               <a:t>‹#›</a:t>
             </a:fld>
@@ -317,7 +317,7 @@
     </p:spTree>
     <p:extLst>
       <p:ext uri="{BB962C8B-B14F-4D97-AF65-F5344CB8AC3E}">
-        <p14:creationId xmlns:p14="http://schemas.microsoft.com/office/powerpoint/2010/main" val="1139167036"/>
+        <p14:creationId xmlns:p14="http://schemas.microsoft.com/office/powerpoint/2010/main" val="1719609282"/>
       </p:ext>
     </p:extLst>
   </p:cSld>
@@ -349,7 +349,7 @@
           <p:cNvPr id="2" name="标题 1">
             <a:extLst>
               <a:ext uri="{FF2B5EF4-FFF2-40B4-BE49-F238E27FC236}">
-                <a16:creationId xmlns:a16="http://schemas.microsoft.com/office/drawing/2014/main" id="{1E0610A5-8597-6FDF-7D79-0A616DB67D2A}"/>
+                <a16:creationId xmlns:a16="http://schemas.microsoft.com/office/drawing/2014/main" id="{10F96BC6-1247-2DC7-40DE-05E5A75B6DC9}"/>
               </a:ext>
             </a:extLst>
           </p:cNvPr>
@@ -377,7 +377,7 @@
           <p:cNvPr id="3" name="竖排文字占位符 2">
             <a:extLst>
               <a:ext uri="{FF2B5EF4-FFF2-40B4-BE49-F238E27FC236}">
-                <a16:creationId xmlns:a16="http://schemas.microsoft.com/office/drawing/2014/main" id="{94365600-BD54-BDD7-E665-5347A1C3503F}"/>
+                <a16:creationId xmlns:a16="http://schemas.microsoft.com/office/drawing/2014/main" id="{C8D87FF4-A16D-F17B-0FC0-5CE93519424D}"/>
               </a:ext>
             </a:extLst>
           </p:cNvPr>
@@ -434,7 +434,7 @@
           <p:cNvPr id="4" name="日期占位符 3">
             <a:extLst>
               <a:ext uri="{FF2B5EF4-FFF2-40B4-BE49-F238E27FC236}">
-                <a16:creationId xmlns:a16="http://schemas.microsoft.com/office/drawing/2014/main" id="{984553A0-8D34-2AE3-9D79-6F0662187E78}"/>
+                <a16:creationId xmlns:a16="http://schemas.microsoft.com/office/drawing/2014/main" id="{484E48A7-14D8-3717-C2A8-623D6D4A9544}"/>
               </a:ext>
             </a:extLst>
           </p:cNvPr>
@@ -450,7 +450,7 @@
           <a:bodyPr/>
           <a:lstStyle/>
           <a:p>
-            <a:fld id="{2546728E-B304-4E69-BE05-4301552E45F3}" type="datetimeFigureOut">
+            <a:fld id="{7725A6B7-D247-4098-A1E8-A9A8E4582BD2}" type="datetimeFigureOut">
               <a:rPr lang="zh-CN" altLang="en-US" smtClean="0"/>
               <a:t>2024/3/10</a:t>
             </a:fld>
@@ -463,7 +463,7 @@
           <p:cNvPr id="5" name="页脚占位符 4">
             <a:extLst>
               <a:ext uri="{FF2B5EF4-FFF2-40B4-BE49-F238E27FC236}">
-                <a16:creationId xmlns:a16="http://schemas.microsoft.com/office/drawing/2014/main" id="{20A8773B-389D-69A7-B302-EC7B41EE85C0}"/>
+                <a16:creationId xmlns:a16="http://schemas.microsoft.com/office/drawing/2014/main" id="{358D8783-0552-4C9D-A6C3-36771528CB9E}"/>
               </a:ext>
             </a:extLst>
           </p:cNvPr>
@@ -488,7 +488,7 @@
           <p:cNvPr id="6" name="灯片编号占位符 5">
             <a:extLst>
               <a:ext uri="{FF2B5EF4-FFF2-40B4-BE49-F238E27FC236}">
-                <a16:creationId xmlns:a16="http://schemas.microsoft.com/office/drawing/2014/main" id="{0822AE14-E6D5-A25C-4D38-D0EACD6F4837}"/>
+                <a16:creationId xmlns:a16="http://schemas.microsoft.com/office/drawing/2014/main" id="{EB5FDDD8-8075-84A4-008D-67701397000A}"/>
               </a:ext>
             </a:extLst>
           </p:cNvPr>
@@ -504,7 +504,7 @@
           <a:bodyPr/>
           <a:lstStyle/>
           <a:p>
-            <a:fld id="{2651244C-2F23-43F7-8FB2-709C0807DD5F}" type="slidenum">
+            <a:fld id="{6D191B5E-7A01-4898-AE73-51E2E880B731}" type="slidenum">
               <a:rPr lang="zh-CN" altLang="en-US" smtClean="0"/>
               <a:t>‹#›</a:t>
             </a:fld>
@@ -515,7 +515,7 @@
     </p:spTree>
     <p:extLst>
       <p:ext uri="{BB962C8B-B14F-4D97-AF65-F5344CB8AC3E}">
-        <p14:creationId xmlns:p14="http://schemas.microsoft.com/office/powerpoint/2010/main" val="4117049339"/>
+        <p14:creationId xmlns:p14="http://schemas.microsoft.com/office/powerpoint/2010/main" val="1926694808"/>
       </p:ext>
     </p:extLst>
   </p:cSld>
@@ -547,7 +547,7 @@
           <p:cNvPr id="2" name="竖排标题 1">
             <a:extLst>
               <a:ext uri="{FF2B5EF4-FFF2-40B4-BE49-F238E27FC236}">
-                <a16:creationId xmlns:a16="http://schemas.microsoft.com/office/drawing/2014/main" id="{8341C80C-5E24-0348-141A-B8E2D7E7A89A}"/>
+                <a16:creationId xmlns:a16="http://schemas.microsoft.com/office/drawing/2014/main" id="{BAC680C0-2157-E405-CAED-30A68309CBD7}"/>
               </a:ext>
             </a:extLst>
           </p:cNvPr>
@@ -580,7 +580,7 @@
           <p:cNvPr id="3" name="竖排文字占位符 2">
             <a:extLst>
               <a:ext uri="{FF2B5EF4-FFF2-40B4-BE49-F238E27FC236}">
-                <a16:creationId xmlns:a16="http://schemas.microsoft.com/office/drawing/2014/main" id="{C116A1E5-F18D-EE0B-51E7-C66DD81E0975}"/>
+                <a16:creationId xmlns:a16="http://schemas.microsoft.com/office/drawing/2014/main" id="{D5C0BE71-EFA1-9D86-784E-5AD0E5A575B1}"/>
               </a:ext>
             </a:extLst>
           </p:cNvPr>
@@ -642,7 +642,7 @@
           <p:cNvPr id="4" name="日期占位符 3">
             <a:extLst>
               <a:ext uri="{FF2B5EF4-FFF2-40B4-BE49-F238E27FC236}">
-                <a16:creationId xmlns:a16="http://schemas.microsoft.com/office/drawing/2014/main" id="{0888712F-6597-A8DE-7DAE-13EF4B466FC9}"/>
+                <a16:creationId xmlns:a16="http://schemas.microsoft.com/office/drawing/2014/main" id="{A5472843-E5C7-38A4-A473-668995920A9E}"/>
               </a:ext>
             </a:extLst>
           </p:cNvPr>
@@ -658,7 +658,7 @@
           <a:bodyPr/>
           <a:lstStyle/>
           <a:p>
-            <a:fld id="{2546728E-B304-4E69-BE05-4301552E45F3}" type="datetimeFigureOut">
+            <a:fld id="{7725A6B7-D247-4098-A1E8-A9A8E4582BD2}" type="datetimeFigureOut">
               <a:rPr lang="zh-CN" altLang="en-US" smtClean="0"/>
               <a:t>2024/3/10</a:t>
             </a:fld>
@@ -671,7 +671,7 @@
           <p:cNvPr id="5" name="页脚占位符 4">
             <a:extLst>
               <a:ext uri="{FF2B5EF4-FFF2-40B4-BE49-F238E27FC236}">
-                <a16:creationId xmlns:a16="http://schemas.microsoft.com/office/drawing/2014/main" id="{45CAF39C-73C3-09E9-19B1-7BF3A7BB4CC0}"/>
+                <a16:creationId xmlns:a16="http://schemas.microsoft.com/office/drawing/2014/main" id="{8304EF12-74BD-1D05-3FAE-9BDCA95A6F30}"/>
               </a:ext>
             </a:extLst>
           </p:cNvPr>
@@ -696,7 +696,7 @@
           <p:cNvPr id="6" name="灯片编号占位符 5">
             <a:extLst>
               <a:ext uri="{FF2B5EF4-FFF2-40B4-BE49-F238E27FC236}">
-                <a16:creationId xmlns:a16="http://schemas.microsoft.com/office/drawing/2014/main" id="{A328BB96-4264-629B-1595-48ABF4B18A8D}"/>
+                <a16:creationId xmlns:a16="http://schemas.microsoft.com/office/drawing/2014/main" id="{B2EC1CBB-DB6E-927B-C400-6A871C798BF5}"/>
               </a:ext>
             </a:extLst>
           </p:cNvPr>
@@ -712,7 +712,7 @@
           <a:bodyPr/>
           <a:lstStyle/>
           <a:p>
-            <a:fld id="{2651244C-2F23-43F7-8FB2-709C0807DD5F}" type="slidenum">
+            <a:fld id="{6D191B5E-7A01-4898-AE73-51E2E880B731}" type="slidenum">
               <a:rPr lang="zh-CN" altLang="en-US" smtClean="0"/>
               <a:t>‹#›</a:t>
             </a:fld>
@@ -723,7 +723,7 @@
     </p:spTree>
     <p:extLst>
       <p:ext uri="{BB962C8B-B14F-4D97-AF65-F5344CB8AC3E}">
-        <p14:creationId xmlns:p14="http://schemas.microsoft.com/office/powerpoint/2010/main" val="4259172577"/>
+        <p14:creationId xmlns:p14="http://schemas.microsoft.com/office/powerpoint/2010/main" val="1996911795"/>
       </p:ext>
     </p:extLst>
   </p:cSld>
@@ -755,7 +755,7 @@
           <p:cNvPr id="2" name="标题 1">
             <a:extLst>
               <a:ext uri="{FF2B5EF4-FFF2-40B4-BE49-F238E27FC236}">
-                <a16:creationId xmlns:a16="http://schemas.microsoft.com/office/drawing/2014/main" id="{4653DBD3-1A38-FDBA-506D-69141E15DE31}"/>
+                <a16:creationId xmlns:a16="http://schemas.microsoft.com/office/drawing/2014/main" id="{EF406874-E261-E26D-E615-F65127B342F7}"/>
               </a:ext>
             </a:extLst>
           </p:cNvPr>
@@ -783,7 +783,7 @@
           <p:cNvPr id="3" name="内容占位符 2">
             <a:extLst>
               <a:ext uri="{FF2B5EF4-FFF2-40B4-BE49-F238E27FC236}">
-                <a16:creationId xmlns:a16="http://schemas.microsoft.com/office/drawing/2014/main" id="{B661731B-F1AB-A39E-DC1B-275B04D0B71E}"/>
+                <a16:creationId xmlns:a16="http://schemas.microsoft.com/office/drawing/2014/main" id="{BC360398-AC76-589E-C366-B104E9A948D9}"/>
               </a:ext>
             </a:extLst>
           </p:cNvPr>
@@ -840,7 +840,7 @@
           <p:cNvPr id="4" name="日期占位符 3">
             <a:extLst>
               <a:ext uri="{FF2B5EF4-FFF2-40B4-BE49-F238E27FC236}">
-                <a16:creationId xmlns:a16="http://schemas.microsoft.com/office/drawing/2014/main" id="{707DB3E7-81FB-D2C1-BB85-6DF102563782}"/>
+                <a16:creationId xmlns:a16="http://schemas.microsoft.com/office/drawing/2014/main" id="{6081D162-A294-3598-7C91-A684D3474CF2}"/>
               </a:ext>
             </a:extLst>
           </p:cNvPr>
@@ -856,7 +856,7 @@
           <a:bodyPr/>
           <a:lstStyle/>
           <a:p>
-            <a:fld id="{2546728E-B304-4E69-BE05-4301552E45F3}" type="datetimeFigureOut">
+            <a:fld id="{7725A6B7-D247-4098-A1E8-A9A8E4582BD2}" type="datetimeFigureOut">
               <a:rPr lang="zh-CN" altLang="en-US" smtClean="0"/>
               <a:t>2024/3/10</a:t>
             </a:fld>
@@ -869,7 +869,7 @@
           <p:cNvPr id="5" name="页脚占位符 4">
             <a:extLst>
               <a:ext uri="{FF2B5EF4-FFF2-40B4-BE49-F238E27FC236}">
-                <a16:creationId xmlns:a16="http://schemas.microsoft.com/office/drawing/2014/main" id="{11BB769B-1C89-B1EB-1745-62A8185EB526}"/>
+                <a16:creationId xmlns:a16="http://schemas.microsoft.com/office/drawing/2014/main" id="{A1D6FBE3-9CFB-9423-B9E9-30F36860AB5B}"/>
               </a:ext>
             </a:extLst>
           </p:cNvPr>
@@ -894,7 +894,7 @@
           <p:cNvPr id="6" name="灯片编号占位符 5">
             <a:extLst>
               <a:ext uri="{FF2B5EF4-FFF2-40B4-BE49-F238E27FC236}">
-                <a16:creationId xmlns:a16="http://schemas.microsoft.com/office/drawing/2014/main" id="{DA4BDF71-511D-775B-5771-04D6B42142A8}"/>
+                <a16:creationId xmlns:a16="http://schemas.microsoft.com/office/drawing/2014/main" id="{F2D87776-7FF8-0AB6-6120-4EBA2F59F0DC}"/>
               </a:ext>
             </a:extLst>
           </p:cNvPr>
@@ -910,7 +910,7 @@
           <a:bodyPr/>
           <a:lstStyle/>
           <a:p>
-            <a:fld id="{2651244C-2F23-43F7-8FB2-709C0807DD5F}" type="slidenum">
+            <a:fld id="{6D191B5E-7A01-4898-AE73-51E2E880B731}" type="slidenum">
               <a:rPr lang="zh-CN" altLang="en-US" smtClean="0"/>
               <a:t>‹#›</a:t>
             </a:fld>
@@ -921,7 +921,7 @@
     </p:spTree>
     <p:extLst>
       <p:ext uri="{BB962C8B-B14F-4D97-AF65-F5344CB8AC3E}">
-        <p14:creationId xmlns:p14="http://schemas.microsoft.com/office/powerpoint/2010/main" val="335396505"/>
+        <p14:creationId xmlns:p14="http://schemas.microsoft.com/office/powerpoint/2010/main" val="1773087718"/>
       </p:ext>
     </p:extLst>
   </p:cSld>
@@ -953,7 +953,7 @@
           <p:cNvPr id="2" name="标题 1">
             <a:extLst>
               <a:ext uri="{FF2B5EF4-FFF2-40B4-BE49-F238E27FC236}">
-                <a16:creationId xmlns:a16="http://schemas.microsoft.com/office/drawing/2014/main" id="{B1BE71F6-A83D-2543-7C5C-FDDF2B747641}"/>
+                <a16:creationId xmlns:a16="http://schemas.microsoft.com/office/drawing/2014/main" id="{C254953B-6D0C-1B15-E244-5945A2B741F5}"/>
               </a:ext>
             </a:extLst>
           </p:cNvPr>
@@ -990,7 +990,7 @@
           <p:cNvPr id="3" name="文本占位符 2">
             <a:extLst>
               <a:ext uri="{FF2B5EF4-FFF2-40B4-BE49-F238E27FC236}">
-                <a16:creationId xmlns:a16="http://schemas.microsoft.com/office/drawing/2014/main" id="{EFD2DB9A-FBF2-0776-839C-FBD569A358DD}"/>
+                <a16:creationId xmlns:a16="http://schemas.microsoft.com/office/drawing/2014/main" id="{B526EF39-DA82-8858-67FD-F17875D00A29}"/>
               </a:ext>
             </a:extLst>
           </p:cNvPr>
@@ -1115,7 +1115,7 @@
           <p:cNvPr id="4" name="日期占位符 3">
             <a:extLst>
               <a:ext uri="{FF2B5EF4-FFF2-40B4-BE49-F238E27FC236}">
-                <a16:creationId xmlns:a16="http://schemas.microsoft.com/office/drawing/2014/main" id="{3373122C-D936-23AB-F4ED-9AC5407A7790}"/>
+                <a16:creationId xmlns:a16="http://schemas.microsoft.com/office/drawing/2014/main" id="{8F7CA90F-3310-112D-D5DF-30BFAF7EF5B6}"/>
               </a:ext>
             </a:extLst>
           </p:cNvPr>
@@ -1131,7 +1131,7 @@
           <a:bodyPr/>
           <a:lstStyle/>
           <a:p>
-            <a:fld id="{2546728E-B304-4E69-BE05-4301552E45F3}" type="datetimeFigureOut">
+            <a:fld id="{7725A6B7-D247-4098-A1E8-A9A8E4582BD2}" type="datetimeFigureOut">
               <a:rPr lang="zh-CN" altLang="en-US" smtClean="0"/>
               <a:t>2024/3/10</a:t>
             </a:fld>
@@ -1144,7 +1144,7 @@
           <p:cNvPr id="5" name="页脚占位符 4">
             <a:extLst>
               <a:ext uri="{FF2B5EF4-FFF2-40B4-BE49-F238E27FC236}">
-                <a16:creationId xmlns:a16="http://schemas.microsoft.com/office/drawing/2014/main" id="{180C52FE-7FC2-800D-3D7D-B8BF32F0FBEF}"/>
+                <a16:creationId xmlns:a16="http://schemas.microsoft.com/office/drawing/2014/main" id="{F1BB38DD-7CC0-8EF3-44A0-E10DC4ABDAFA}"/>
               </a:ext>
             </a:extLst>
           </p:cNvPr>
@@ -1169,7 +1169,7 @@
           <p:cNvPr id="6" name="灯片编号占位符 5">
             <a:extLst>
               <a:ext uri="{FF2B5EF4-FFF2-40B4-BE49-F238E27FC236}">
-                <a16:creationId xmlns:a16="http://schemas.microsoft.com/office/drawing/2014/main" id="{53C4D793-7C0C-00B5-748A-94AEBD232296}"/>
+                <a16:creationId xmlns:a16="http://schemas.microsoft.com/office/drawing/2014/main" id="{87ECBAD7-4334-7880-F4EF-A90611A53B51}"/>
               </a:ext>
             </a:extLst>
           </p:cNvPr>
@@ -1185,7 +1185,7 @@
           <a:bodyPr/>
           <a:lstStyle/>
           <a:p>
-            <a:fld id="{2651244C-2F23-43F7-8FB2-709C0807DD5F}" type="slidenum">
+            <a:fld id="{6D191B5E-7A01-4898-AE73-51E2E880B731}" type="slidenum">
               <a:rPr lang="zh-CN" altLang="en-US" smtClean="0"/>
               <a:t>‹#›</a:t>
             </a:fld>
@@ -1196,7 +1196,7 @@
     </p:spTree>
     <p:extLst>
       <p:ext uri="{BB962C8B-B14F-4D97-AF65-F5344CB8AC3E}">
-        <p14:creationId xmlns:p14="http://schemas.microsoft.com/office/powerpoint/2010/main" val="1236870803"/>
+        <p14:creationId xmlns:p14="http://schemas.microsoft.com/office/powerpoint/2010/main" val="3693000716"/>
       </p:ext>
     </p:extLst>
   </p:cSld>
@@ -1228,7 +1228,7 @@
           <p:cNvPr id="2" name="标题 1">
             <a:extLst>
               <a:ext uri="{FF2B5EF4-FFF2-40B4-BE49-F238E27FC236}">
-                <a16:creationId xmlns:a16="http://schemas.microsoft.com/office/drawing/2014/main" id="{C92B5CD2-1840-0CEF-5FD9-79154210A235}"/>
+                <a16:creationId xmlns:a16="http://schemas.microsoft.com/office/drawing/2014/main" id="{7AD23850-9454-EE45-3B7C-89D680CE99E4}"/>
               </a:ext>
             </a:extLst>
           </p:cNvPr>
@@ -1256,7 +1256,7 @@
           <p:cNvPr id="3" name="内容占位符 2">
             <a:extLst>
               <a:ext uri="{FF2B5EF4-FFF2-40B4-BE49-F238E27FC236}">
-                <a16:creationId xmlns:a16="http://schemas.microsoft.com/office/drawing/2014/main" id="{882D7E27-4C33-5992-CA96-09A2F5CF7D98}"/>
+                <a16:creationId xmlns:a16="http://schemas.microsoft.com/office/drawing/2014/main" id="{A70D63EA-7A42-E2CC-9952-D50726F9CF36}"/>
               </a:ext>
             </a:extLst>
           </p:cNvPr>
@@ -1318,7 +1318,7 @@
           <p:cNvPr id="4" name="内容占位符 3">
             <a:extLst>
               <a:ext uri="{FF2B5EF4-FFF2-40B4-BE49-F238E27FC236}">
-                <a16:creationId xmlns:a16="http://schemas.microsoft.com/office/drawing/2014/main" id="{F2BE841F-BDA2-0D51-7F72-B59473C200B6}"/>
+                <a16:creationId xmlns:a16="http://schemas.microsoft.com/office/drawing/2014/main" id="{5511BDAC-C204-D5A9-81FA-591729C3E529}"/>
               </a:ext>
             </a:extLst>
           </p:cNvPr>
@@ -1380,7 +1380,7 @@
           <p:cNvPr id="5" name="日期占位符 4">
             <a:extLst>
               <a:ext uri="{FF2B5EF4-FFF2-40B4-BE49-F238E27FC236}">
-                <a16:creationId xmlns:a16="http://schemas.microsoft.com/office/drawing/2014/main" id="{3CFD5FB6-253C-246D-C780-98F85933E903}"/>
+                <a16:creationId xmlns:a16="http://schemas.microsoft.com/office/drawing/2014/main" id="{8F445FEA-85FE-C934-9138-9DEE903F6F14}"/>
               </a:ext>
             </a:extLst>
           </p:cNvPr>
@@ -1396,7 +1396,7 @@
           <a:bodyPr/>
           <a:lstStyle/>
           <a:p>
-            <a:fld id="{2546728E-B304-4E69-BE05-4301552E45F3}" type="datetimeFigureOut">
+            <a:fld id="{7725A6B7-D247-4098-A1E8-A9A8E4582BD2}" type="datetimeFigureOut">
               <a:rPr lang="zh-CN" altLang="en-US" smtClean="0"/>
               <a:t>2024/3/10</a:t>
             </a:fld>
@@ -1409,7 +1409,7 @@
           <p:cNvPr id="6" name="页脚占位符 5">
             <a:extLst>
               <a:ext uri="{FF2B5EF4-FFF2-40B4-BE49-F238E27FC236}">
-                <a16:creationId xmlns:a16="http://schemas.microsoft.com/office/drawing/2014/main" id="{9A387F40-BAD9-2DD8-7A2B-386DD6463863}"/>
+                <a16:creationId xmlns:a16="http://schemas.microsoft.com/office/drawing/2014/main" id="{EE5BA674-B7F1-78A7-0792-736776C473F0}"/>
               </a:ext>
             </a:extLst>
           </p:cNvPr>
@@ -1434,7 +1434,7 @@
           <p:cNvPr id="7" name="灯片编号占位符 6">
             <a:extLst>
               <a:ext uri="{FF2B5EF4-FFF2-40B4-BE49-F238E27FC236}">
-                <a16:creationId xmlns:a16="http://schemas.microsoft.com/office/drawing/2014/main" id="{58B16403-AB18-B74A-E7C2-439323A09632}"/>
+                <a16:creationId xmlns:a16="http://schemas.microsoft.com/office/drawing/2014/main" id="{ABD53F72-5A40-12FC-CB61-4B1197B9AFBB}"/>
               </a:ext>
             </a:extLst>
           </p:cNvPr>
@@ -1450,7 +1450,7 @@
           <a:bodyPr/>
           <a:lstStyle/>
           <a:p>
-            <a:fld id="{2651244C-2F23-43F7-8FB2-709C0807DD5F}" type="slidenum">
+            <a:fld id="{6D191B5E-7A01-4898-AE73-51E2E880B731}" type="slidenum">
               <a:rPr lang="zh-CN" altLang="en-US" smtClean="0"/>
               <a:t>‹#›</a:t>
             </a:fld>
@@ -1461,7 +1461,7 @@
     </p:spTree>
     <p:extLst>
       <p:ext uri="{BB962C8B-B14F-4D97-AF65-F5344CB8AC3E}">
-        <p14:creationId xmlns:p14="http://schemas.microsoft.com/office/powerpoint/2010/main" val="177358682"/>
+        <p14:creationId xmlns:p14="http://schemas.microsoft.com/office/powerpoint/2010/main" val="1703329419"/>
       </p:ext>
     </p:extLst>
   </p:cSld>
@@ -1493,7 +1493,7 @@
           <p:cNvPr id="2" name="标题 1">
             <a:extLst>
               <a:ext uri="{FF2B5EF4-FFF2-40B4-BE49-F238E27FC236}">
-                <a16:creationId xmlns:a16="http://schemas.microsoft.com/office/drawing/2014/main" id="{7A10079A-BF21-219F-2ADC-01318B146309}"/>
+                <a16:creationId xmlns:a16="http://schemas.microsoft.com/office/drawing/2014/main" id="{B7AE4BA2-CE2D-80D3-B1FE-3632C106064B}"/>
               </a:ext>
             </a:extLst>
           </p:cNvPr>
@@ -1526,7 +1526,7 @@
           <p:cNvPr id="3" name="文本占位符 2">
             <a:extLst>
               <a:ext uri="{FF2B5EF4-FFF2-40B4-BE49-F238E27FC236}">
-                <a16:creationId xmlns:a16="http://schemas.microsoft.com/office/drawing/2014/main" id="{1FBD9FEB-E2EC-8FA3-DF27-AC7696E4EBE2}"/>
+                <a16:creationId xmlns:a16="http://schemas.microsoft.com/office/drawing/2014/main" id="{B94D5095-49DF-5A9D-0860-31CC0B378A54}"/>
               </a:ext>
             </a:extLst>
           </p:cNvPr>
@@ -1597,7 +1597,7 @@
           <p:cNvPr id="4" name="内容占位符 3">
             <a:extLst>
               <a:ext uri="{FF2B5EF4-FFF2-40B4-BE49-F238E27FC236}">
-                <a16:creationId xmlns:a16="http://schemas.microsoft.com/office/drawing/2014/main" id="{D616A3DA-4BC4-5010-61F1-8C0F3B505837}"/>
+                <a16:creationId xmlns:a16="http://schemas.microsoft.com/office/drawing/2014/main" id="{EC76BC86-CF92-E9CB-9223-852AAD170DE7}"/>
               </a:ext>
             </a:extLst>
           </p:cNvPr>
@@ -1659,7 +1659,7 @@
           <p:cNvPr id="5" name="文本占位符 4">
             <a:extLst>
               <a:ext uri="{FF2B5EF4-FFF2-40B4-BE49-F238E27FC236}">
-                <a16:creationId xmlns:a16="http://schemas.microsoft.com/office/drawing/2014/main" id="{2B4A0F33-C8D7-9F3F-4982-893912E8598F}"/>
+                <a16:creationId xmlns:a16="http://schemas.microsoft.com/office/drawing/2014/main" id="{69D9EC03-C02D-8047-D224-FB6E42B21B25}"/>
               </a:ext>
             </a:extLst>
           </p:cNvPr>
@@ -1730,7 +1730,7 @@
           <p:cNvPr id="6" name="内容占位符 5">
             <a:extLst>
               <a:ext uri="{FF2B5EF4-FFF2-40B4-BE49-F238E27FC236}">
-                <a16:creationId xmlns:a16="http://schemas.microsoft.com/office/drawing/2014/main" id="{4883F9D8-E808-E2FA-6F96-1793F443A223}"/>
+                <a16:creationId xmlns:a16="http://schemas.microsoft.com/office/drawing/2014/main" id="{9620AD0A-A68C-D1EB-533B-94E85A08EDC1}"/>
               </a:ext>
             </a:extLst>
           </p:cNvPr>
@@ -1792,7 +1792,7 @@
           <p:cNvPr id="7" name="日期占位符 6">
             <a:extLst>
               <a:ext uri="{FF2B5EF4-FFF2-40B4-BE49-F238E27FC236}">
-                <a16:creationId xmlns:a16="http://schemas.microsoft.com/office/drawing/2014/main" id="{7FA62A47-0088-4C4C-9363-E383FAF8FD6F}"/>
+                <a16:creationId xmlns:a16="http://schemas.microsoft.com/office/drawing/2014/main" id="{1AD8A965-D888-5411-5E08-A29664B647AA}"/>
               </a:ext>
             </a:extLst>
           </p:cNvPr>
@@ -1808,7 +1808,7 @@
           <a:bodyPr/>
           <a:lstStyle/>
           <a:p>
-            <a:fld id="{2546728E-B304-4E69-BE05-4301552E45F3}" type="datetimeFigureOut">
+            <a:fld id="{7725A6B7-D247-4098-A1E8-A9A8E4582BD2}" type="datetimeFigureOut">
               <a:rPr lang="zh-CN" altLang="en-US" smtClean="0"/>
               <a:t>2024/3/10</a:t>
             </a:fld>
@@ -1821,7 +1821,7 @@
           <p:cNvPr id="8" name="页脚占位符 7">
             <a:extLst>
               <a:ext uri="{FF2B5EF4-FFF2-40B4-BE49-F238E27FC236}">
-                <a16:creationId xmlns:a16="http://schemas.microsoft.com/office/drawing/2014/main" id="{FBCF82C4-0417-4B2B-4D7C-EEFEAB2D9666}"/>
+                <a16:creationId xmlns:a16="http://schemas.microsoft.com/office/drawing/2014/main" id="{BBB756A1-AC42-BC55-54AC-533C51E46FD5}"/>
               </a:ext>
             </a:extLst>
           </p:cNvPr>
@@ -1846,7 +1846,7 @@
           <p:cNvPr id="9" name="灯片编号占位符 8">
             <a:extLst>
               <a:ext uri="{FF2B5EF4-FFF2-40B4-BE49-F238E27FC236}">
-                <a16:creationId xmlns:a16="http://schemas.microsoft.com/office/drawing/2014/main" id="{ECC1A8C5-DCD6-E08D-1B2F-38F142ACB5CD}"/>
+                <a16:creationId xmlns:a16="http://schemas.microsoft.com/office/drawing/2014/main" id="{1B279C73-B80D-B7CD-5938-D25ADB554B54}"/>
               </a:ext>
             </a:extLst>
           </p:cNvPr>
@@ -1862,7 +1862,7 @@
           <a:bodyPr/>
           <a:lstStyle/>
           <a:p>
-            <a:fld id="{2651244C-2F23-43F7-8FB2-709C0807DD5F}" type="slidenum">
+            <a:fld id="{6D191B5E-7A01-4898-AE73-51E2E880B731}" type="slidenum">
               <a:rPr lang="zh-CN" altLang="en-US" smtClean="0"/>
               <a:t>‹#›</a:t>
             </a:fld>
@@ -1873,7 +1873,7 @@
     </p:spTree>
     <p:extLst>
       <p:ext uri="{BB962C8B-B14F-4D97-AF65-F5344CB8AC3E}">
-        <p14:creationId xmlns:p14="http://schemas.microsoft.com/office/powerpoint/2010/main" val="466590262"/>
+        <p14:creationId xmlns:p14="http://schemas.microsoft.com/office/powerpoint/2010/main" val="1642274044"/>
       </p:ext>
     </p:extLst>
   </p:cSld>
@@ -1905,7 +1905,7 @@
           <p:cNvPr id="2" name="标题 1">
             <a:extLst>
               <a:ext uri="{FF2B5EF4-FFF2-40B4-BE49-F238E27FC236}">
-                <a16:creationId xmlns:a16="http://schemas.microsoft.com/office/drawing/2014/main" id="{BDF477D0-70BE-1217-3C91-5C2064C39FCB}"/>
+                <a16:creationId xmlns:a16="http://schemas.microsoft.com/office/drawing/2014/main" id="{F7D9FB7D-F8F1-FAF3-C15F-C6E485F3D201}"/>
               </a:ext>
             </a:extLst>
           </p:cNvPr>
@@ -1933,7 +1933,7 @@
           <p:cNvPr id="3" name="日期占位符 2">
             <a:extLst>
               <a:ext uri="{FF2B5EF4-FFF2-40B4-BE49-F238E27FC236}">
-                <a16:creationId xmlns:a16="http://schemas.microsoft.com/office/drawing/2014/main" id="{0D771DAB-9CF2-00AA-472A-09824460F2DA}"/>
+                <a16:creationId xmlns:a16="http://schemas.microsoft.com/office/drawing/2014/main" id="{E509FB09-5C34-E4E6-0E75-703EFF1C9F07}"/>
               </a:ext>
             </a:extLst>
           </p:cNvPr>
@@ -1949,7 +1949,7 @@
           <a:bodyPr/>
           <a:lstStyle/>
           <a:p>
-            <a:fld id="{2546728E-B304-4E69-BE05-4301552E45F3}" type="datetimeFigureOut">
+            <a:fld id="{7725A6B7-D247-4098-A1E8-A9A8E4582BD2}" type="datetimeFigureOut">
               <a:rPr lang="zh-CN" altLang="en-US" smtClean="0"/>
               <a:t>2024/3/10</a:t>
             </a:fld>
@@ -1962,7 +1962,7 @@
           <p:cNvPr id="4" name="页脚占位符 3">
             <a:extLst>
               <a:ext uri="{FF2B5EF4-FFF2-40B4-BE49-F238E27FC236}">
-                <a16:creationId xmlns:a16="http://schemas.microsoft.com/office/drawing/2014/main" id="{8B1AD075-2F0F-9BCA-D6B4-00DB1F4BCDBB}"/>
+                <a16:creationId xmlns:a16="http://schemas.microsoft.com/office/drawing/2014/main" id="{217B4FF4-4D55-D769-BD3E-3DCCCF950380}"/>
               </a:ext>
             </a:extLst>
           </p:cNvPr>
@@ -1987,7 +1987,7 @@
           <p:cNvPr id="5" name="灯片编号占位符 4">
             <a:extLst>
               <a:ext uri="{FF2B5EF4-FFF2-40B4-BE49-F238E27FC236}">
-                <a16:creationId xmlns:a16="http://schemas.microsoft.com/office/drawing/2014/main" id="{7C58499F-F1ED-462F-372B-0B5FF21A6A77}"/>
+                <a16:creationId xmlns:a16="http://schemas.microsoft.com/office/drawing/2014/main" id="{D412EE3B-643D-1417-8442-BE0EB6E99871}"/>
               </a:ext>
             </a:extLst>
           </p:cNvPr>
@@ -2003,7 +2003,7 @@
           <a:bodyPr/>
           <a:lstStyle/>
           <a:p>
-            <a:fld id="{2651244C-2F23-43F7-8FB2-709C0807DD5F}" type="slidenum">
+            <a:fld id="{6D191B5E-7A01-4898-AE73-51E2E880B731}" type="slidenum">
               <a:rPr lang="zh-CN" altLang="en-US" smtClean="0"/>
               <a:t>‹#›</a:t>
             </a:fld>
@@ -2014,7 +2014,7 @@
     </p:spTree>
     <p:extLst>
       <p:ext uri="{BB962C8B-B14F-4D97-AF65-F5344CB8AC3E}">
-        <p14:creationId xmlns:p14="http://schemas.microsoft.com/office/powerpoint/2010/main" val="2205387034"/>
+        <p14:creationId xmlns:p14="http://schemas.microsoft.com/office/powerpoint/2010/main" val="101469161"/>
       </p:ext>
     </p:extLst>
   </p:cSld>
@@ -2046,7 +2046,7 @@
           <p:cNvPr id="2" name="日期占位符 1">
             <a:extLst>
               <a:ext uri="{FF2B5EF4-FFF2-40B4-BE49-F238E27FC236}">
-                <a16:creationId xmlns:a16="http://schemas.microsoft.com/office/drawing/2014/main" id="{B484ED9F-3CAA-8563-5E69-41A2176DEBC5}"/>
+                <a16:creationId xmlns:a16="http://schemas.microsoft.com/office/drawing/2014/main" id="{F2EBD2AE-527C-32A3-9AE0-16B03E67F684}"/>
               </a:ext>
             </a:extLst>
           </p:cNvPr>
@@ -2062,7 +2062,7 @@
           <a:bodyPr/>
           <a:lstStyle/>
           <a:p>
-            <a:fld id="{2546728E-B304-4E69-BE05-4301552E45F3}" type="datetimeFigureOut">
+            <a:fld id="{7725A6B7-D247-4098-A1E8-A9A8E4582BD2}" type="datetimeFigureOut">
               <a:rPr lang="zh-CN" altLang="en-US" smtClean="0"/>
               <a:t>2024/3/10</a:t>
             </a:fld>
@@ -2075,7 +2075,7 @@
           <p:cNvPr id="3" name="页脚占位符 2">
             <a:extLst>
               <a:ext uri="{FF2B5EF4-FFF2-40B4-BE49-F238E27FC236}">
-                <a16:creationId xmlns:a16="http://schemas.microsoft.com/office/drawing/2014/main" id="{0C4857AD-62B6-5071-747F-F158BAB7034F}"/>
+                <a16:creationId xmlns:a16="http://schemas.microsoft.com/office/drawing/2014/main" id="{47E07FD8-322E-EB3C-4D0A-6F19E4ECCA02}"/>
               </a:ext>
             </a:extLst>
           </p:cNvPr>
@@ -2100,7 +2100,7 @@
           <p:cNvPr id="4" name="灯片编号占位符 3">
             <a:extLst>
               <a:ext uri="{FF2B5EF4-FFF2-40B4-BE49-F238E27FC236}">
-                <a16:creationId xmlns:a16="http://schemas.microsoft.com/office/drawing/2014/main" id="{33841C20-C7BE-04B8-D76B-EA07B583EE8B}"/>
+                <a16:creationId xmlns:a16="http://schemas.microsoft.com/office/drawing/2014/main" id="{FB18BB2D-58CF-CB50-F044-25CFF7074099}"/>
               </a:ext>
             </a:extLst>
           </p:cNvPr>
@@ -2116,7 +2116,7 @@
           <a:bodyPr/>
           <a:lstStyle/>
           <a:p>
-            <a:fld id="{2651244C-2F23-43F7-8FB2-709C0807DD5F}" type="slidenum">
+            <a:fld id="{6D191B5E-7A01-4898-AE73-51E2E880B731}" type="slidenum">
               <a:rPr lang="zh-CN" altLang="en-US" smtClean="0"/>
               <a:t>‹#›</a:t>
             </a:fld>
@@ -2127,7 +2127,7 @@
     </p:spTree>
     <p:extLst>
       <p:ext uri="{BB962C8B-B14F-4D97-AF65-F5344CB8AC3E}">
-        <p14:creationId xmlns:p14="http://schemas.microsoft.com/office/powerpoint/2010/main" val="2394478815"/>
+        <p14:creationId xmlns:p14="http://schemas.microsoft.com/office/powerpoint/2010/main" val="3578252231"/>
       </p:ext>
     </p:extLst>
   </p:cSld>
@@ -2159,7 +2159,7 @@
           <p:cNvPr id="2" name="标题 1">
             <a:extLst>
               <a:ext uri="{FF2B5EF4-FFF2-40B4-BE49-F238E27FC236}">
-                <a16:creationId xmlns:a16="http://schemas.microsoft.com/office/drawing/2014/main" id="{5EB7883A-E7AD-C26B-529D-EB1CDF693224}"/>
+                <a16:creationId xmlns:a16="http://schemas.microsoft.com/office/drawing/2014/main" id="{1D3BBC60-D6C8-086F-0E77-1583D6942663}"/>
               </a:ext>
             </a:extLst>
           </p:cNvPr>
@@ -2196,7 +2196,7 @@
           <p:cNvPr id="3" name="内容占位符 2">
             <a:extLst>
               <a:ext uri="{FF2B5EF4-FFF2-40B4-BE49-F238E27FC236}">
-                <a16:creationId xmlns:a16="http://schemas.microsoft.com/office/drawing/2014/main" id="{3A046DB2-CB4B-B0AF-762F-11404CD91AC1}"/>
+                <a16:creationId xmlns:a16="http://schemas.microsoft.com/office/drawing/2014/main" id="{8888FB89-2DCA-0F38-7E99-DCB46B5E55B2}"/>
               </a:ext>
             </a:extLst>
           </p:cNvPr>
@@ -2286,7 +2286,7 @@
           <p:cNvPr id="4" name="文本占位符 3">
             <a:extLst>
               <a:ext uri="{FF2B5EF4-FFF2-40B4-BE49-F238E27FC236}">
-                <a16:creationId xmlns:a16="http://schemas.microsoft.com/office/drawing/2014/main" id="{713179F6-9844-AFF4-43F4-21C6581F72CD}"/>
+                <a16:creationId xmlns:a16="http://schemas.microsoft.com/office/drawing/2014/main" id="{D011632C-E9AB-8839-D1D4-5EB179325CBE}"/>
               </a:ext>
             </a:extLst>
           </p:cNvPr>
@@ -2357,7 +2357,7 @@
           <p:cNvPr id="5" name="日期占位符 4">
             <a:extLst>
               <a:ext uri="{FF2B5EF4-FFF2-40B4-BE49-F238E27FC236}">
-                <a16:creationId xmlns:a16="http://schemas.microsoft.com/office/drawing/2014/main" id="{8D8AC9AE-CE6F-9F0E-680B-4B28750BE6FD}"/>
+                <a16:creationId xmlns:a16="http://schemas.microsoft.com/office/drawing/2014/main" id="{216C09D4-84C5-92F8-5A2E-58BD2B1F3C76}"/>
               </a:ext>
             </a:extLst>
           </p:cNvPr>
@@ -2373,7 +2373,7 @@
           <a:bodyPr/>
           <a:lstStyle/>
           <a:p>
-            <a:fld id="{2546728E-B304-4E69-BE05-4301552E45F3}" type="datetimeFigureOut">
+            <a:fld id="{7725A6B7-D247-4098-A1E8-A9A8E4582BD2}" type="datetimeFigureOut">
               <a:rPr lang="zh-CN" altLang="en-US" smtClean="0"/>
               <a:t>2024/3/10</a:t>
             </a:fld>
@@ -2386,7 +2386,7 @@
           <p:cNvPr id="6" name="页脚占位符 5">
             <a:extLst>
               <a:ext uri="{FF2B5EF4-FFF2-40B4-BE49-F238E27FC236}">
-                <a16:creationId xmlns:a16="http://schemas.microsoft.com/office/drawing/2014/main" id="{2F7805EB-9D0F-3F86-C5D5-6B1EEB988BCF}"/>
+                <a16:creationId xmlns:a16="http://schemas.microsoft.com/office/drawing/2014/main" id="{2665287A-C1B9-BAF3-DA46-967719C47C06}"/>
               </a:ext>
             </a:extLst>
           </p:cNvPr>
@@ -2411,7 +2411,7 @@
           <p:cNvPr id="7" name="灯片编号占位符 6">
             <a:extLst>
               <a:ext uri="{FF2B5EF4-FFF2-40B4-BE49-F238E27FC236}">
-                <a16:creationId xmlns:a16="http://schemas.microsoft.com/office/drawing/2014/main" id="{F05BBA1C-91D3-233E-0918-151AD5550FB7}"/>
+                <a16:creationId xmlns:a16="http://schemas.microsoft.com/office/drawing/2014/main" id="{0F7B1DC6-6B2F-3990-B0A6-0676A0AED83D}"/>
               </a:ext>
             </a:extLst>
           </p:cNvPr>
@@ -2427,7 +2427,7 @@
           <a:bodyPr/>
           <a:lstStyle/>
           <a:p>
-            <a:fld id="{2651244C-2F23-43F7-8FB2-709C0807DD5F}" type="slidenum">
+            <a:fld id="{6D191B5E-7A01-4898-AE73-51E2E880B731}" type="slidenum">
               <a:rPr lang="zh-CN" altLang="en-US" smtClean="0"/>
               <a:t>‹#›</a:t>
             </a:fld>
@@ -2438,7 +2438,7 @@
     </p:spTree>
     <p:extLst>
       <p:ext uri="{BB962C8B-B14F-4D97-AF65-F5344CB8AC3E}">
-        <p14:creationId xmlns:p14="http://schemas.microsoft.com/office/powerpoint/2010/main" val="2109270084"/>
+        <p14:creationId xmlns:p14="http://schemas.microsoft.com/office/powerpoint/2010/main" val="2353185795"/>
       </p:ext>
     </p:extLst>
   </p:cSld>
@@ -2470,7 +2470,7 @@
           <p:cNvPr id="2" name="标题 1">
             <a:extLst>
               <a:ext uri="{FF2B5EF4-FFF2-40B4-BE49-F238E27FC236}">
-                <a16:creationId xmlns:a16="http://schemas.microsoft.com/office/drawing/2014/main" id="{6E379019-32A9-6B88-27E2-F4AEF174DAB9}"/>
+                <a16:creationId xmlns:a16="http://schemas.microsoft.com/office/drawing/2014/main" id="{20778FEF-28DF-591E-E976-68157C0FB1B7}"/>
               </a:ext>
             </a:extLst>
           </p:cNvPr>
@@ -2507,7 +2507,7 @@
           <p:cNvPr id="3" name="图片占位符 2">
             <a:extLst>
               <a:ext uri="{FF2B5EF4-FFF2-40B4-BE49-F238E27FC236}">
-                <a16:creationId xmlns:a16="http://schemas.microsoft.com/office/drawing/2014/main" id="{3BE8B471-AF3E-755F-0999-BA4F75FDC530}"/>
+                <a16:creationId xmlns:a16="http://schemas.microsoft.com/office/drawing/2014/main" id="{EA875824-AA58-C5EB-4A90-D6D2DE27D4A8}"/>
               </a:ext>
             </a:extLst>
           </p:cNvPr>
@@ -2574,7 +2574,7 @@
           <p:cNvPr id="4" name="文本占位符 3">
             <a:extLst>
               <a:ext uri="{FF2B5EF4-FFF2-40B4-BE49-F238E27FC236}">
-                <a16:creationId xmlns:a16="http://schemas.microsoft.com/office/drawing/2014/main" id="{58FA20E3-9ACC-E4A8-33E7-756A88B23971}"/>
+                <a16:creationId xmlns:a16="http://schemas.microsoft.com/office/drawing/2014/main" id="{950F092B-F121-ACAE-DE95-7BBF951FF42F}"/>
               </a:ext>
             </a:extLst>
           </p:cNvPr>
@@ -2645,7 +2645,7 @@
           <p:cNvPr id="5" name="日期占位符 4">
             <a:extLst>
               <a:ext uri="{FF2B5EF4-FFF2-40B4-BE49-F238E27FC236}">
-                <a16:creationId xmlns:a16="http://schemas.microsoft.com/office/drawing/2014/main" id="{55C4AEED-C49F-A0B4-D935-6A20C1C23C0E}"/>
+                <a16:creationId xmlns:a16="http://schemas.microsoft.com/office/drawing/2014/main" id="{55537EF2-A996-FC69-A224-0373555E66AF}"/>
               </a:ext>
             </a:extLst>
           </p:cNvPr>
@@ -2661,7 +2661,7 @@
           <a:bodyPr/>
           <a:lstStyle/>
           <a:p>
-            <a:fld id="{2546728E-B304-4E69-BE05-4301552E45F3}" type="datetimeFigureOut">
+            <a:fld id="{7725A6B7-D247-4098-A1E8-A9A8E4582BD2}" type="datetimeFigureOut">
               <a:rPr lang="zh-CN" altLang="en-US" smtClean="0"/>
               <a:t>2024/3/10</a:t>
             </a:fld>
@@ -2674,7 +2674,7 @@
           <p:cNvPr id="6" name="页脚占位符 5">
             <a:extLst>
               <a:ext uri="{FF2B5EF4-FFF2-40B4-BE49-F238E27FC236}">
-                <a16:creationId xmlns:a16="http://schemas.microsoft.com/office/drawing/2014/main" id="{92496E5E-6F70-3813-CCF2-91F0907DD915}"/>
+                <a16:creationId xmlns:a16="http://schemas.microsoft.com/office/drawing/2014/main" id="{5B52296E-FDCB-857B-D104-8E480EDD5034}"/>
               </a:ext>
             </a:extLst>
           </p:cNvPr>
@@ -2699,7 +2699,7 @@
           <p:cNvPr id="7" name="灯片编号占位符 6">
             <a:extLst>
               <a:ext uri="{FF2B5EF4-FFF2-40B4-BE49-F238E27FC236}">
-                <a16:creationId xmlns:a16="http://schemas.microsoft.com/office/drawing/2014/main" id="{00EAC943-20D4-0E5D-5FEA-F65D1AD7D688}"/>
+                <a16:creationId xmlns:a16="http://schemas.microsoft.com/office/drawing/2014/main" id="{AB2966AA-F246-E4BE-7258-FB4F037A63DB}"/>
               </a:ext>
             </a:extLst>
           </p:cNvPr>
@@ -2715,7 +2715,7 @@
           <a:bodyPr/>
           <a:lstStyle/>
           <a:p>
-            <a:fld id="{2651244C-2F23-43F7-8FB2-709C0807DD5F}" type="slidenum">
+            <a:fld id="{6D191B5E-7A01-4898-AE73-51E2E880B731}" type="slidenum">
               <a:rPr lang="zh-CN" altLang="en-US" smtClean="0"/>
               <a:t>‹#›</a:t>
             </a:fld>
@@ -2726,7 +2726,7 @@
     </p:spTree>
     <p:extLst>
       <p:ext uri="{BB962C8B-B14F-4D97-AF65-F5344CB8AC3E}">
-        <p14:creationId xmlns:p14="http://schemas.microsoft.com/office/powerpoint/2010/main" val="871113585"/>
+        <p14:creationId xmlns:p14="http://schemas.microsoft.com/office/powerpoint/2010/main" val="2734092375"/>
       </p:ext>
     </p:extLst>
   </p:cSld>
@@ -2763,7 +2763,7 @@
           <p:cNvPr id="2" name="标题占位符 1">
             <a:extLst>
               <a:ext uri="{FF2B5EF4-FFF2-40B4-BE49-F238E27FC236}">
-                <a16:creationId xmlns:a16="http://schemas.microsoft.com/office/drawing/2014/main" id="{34ED4A3D-C8A1-4764-1843-A56E4E19CF7F}"/>
+                <a16:creationId xmlns:a16="http://schemas.microsoft.com/office/drawing/2014/main" id="{26E226E8-520A-8AA7-C645-61A48CE1707E}"/>
               </a:ext>
             </a:extLst>
           </p:cNvPr>
@@ -2801,7 +2801,7 @@
           <p:cNvPr id="3" name="文本占位符 2">
             <a:extLst>
               <a:ext uri="{FF2B5EF4-FFF2-40B4-BE49-F238E27FC236}">
-                <a16:creationId xmlns:a16="http://schemas.microsoft.com/office/drawing/2014/main" id="{6861B376-EB19-B536-3B8E-C82BB037F5F8}"/>
+                <a16:creationId xmlns:a16="http://schemas.microsoft.com/office/drawing/2014/main" id="{7AFE42B7-6B60-72E9-A4AD-289C3CDAB9C2}"/>
               </a:ext>
             </a:extLst>
           </p:cNvPr>
@@ -2868,7 +2868,7 @@
           <p:cNvPr id="4" name="日期占位符 3">
             <a:extLst>
               <a:ext uri="{FF2B5EF4-FFF2-40B4-BE49-F238E27FC236}">
-                <a16:creationId xmlns:a16="http://schemas.microsoft.com/office/drawing/2014/main" id="{3512E510-CC37-97D4-05A0-0B5EA055B79B}"/>
+                <a16:creationId xmlns:a16="http://schemas.microsoft.com/office/drawing/2014/main" id="{8D051382-0A0F-2569-6B90-51835C2AE0F1}"/>
               </a:ext>
             </a:extLst>
           </p:cNvPr>
@@ -2902,7 +2902,7 @@
             </a:lvl1pPr>
           </a:lstStyle>
           <a:p>
-            <a:fld id="{2546728E-B304-4E69-BE05-4301552E45F3}" type="datetimeFigureOut">
+            <a:fld id="{7725A6B7-D247-4098-A1E8-A9A8E4582BD2}" type="datetimeFigureOut">
               <a:rPr lang="zh-CN" altLang="en-US" smtClean="0"/>
               <a:t>2024/3/10</a:t>
             </a:fld>
@@ -2915,7 +2915,7 @@
           <p:cNvPr id="5" name="页脚占位符 4">
             <a:extLst>
               <a:ext uri="{FF2B5EF4-FFF2-40B4-BE49-F238E27FC236}">
-                <a16:creationId xmlns:a16="http://schemas.microsoft.com/office/drawing/2014/main" id="{0A1EFA9F-B151-5F83-EA8D-7714059D04CA}"/>
+                <a16:creationId xmlns:a16="http://schemas.microsoft.com/office/drawing/2014/main" id="{BC9474FF-2D3F-7D90-5C8F-33CFADF9B32C}"/>
               </a:ext>
             </a:extLst>
           </p:cNvPr>
@@ -2958,7 +2958,7 @@
           <p:cNvPr id="6" name="灯片编号占位符 5">
             <a:extLst>
               <a:ext uri="{FF2B5EF4-FFF2-40B4-BE49-F238E27FC236}">
-                <a16:creationId xmlns:a16="http://schemas.microsoft.com/office/drawing/2014/main" id="{B5C8C4A7-FEA9-461B-0435-D324E9F51433}"/>
+                <a16:creationId xmlns:a16="http://schemas.microsoft.com/office/drawing/2014/main" id="{986F48F1-7074-E521-ED26-0898DE12FB14}"/>
               </a:ext>
             </a:extLst>
           </p:cNvPr>
@@ -2992,7 +2992,7 @@
             </a:lvl1pPr>
           </a:lstStyle>
           <a:p>
-            <a:fld id="{2651244C-2F23-43F7-8FB2-709C0807DD5F}" type="slidenum">
+            <a:fld id="{6D191B5E-7A01-4898-AE73-51E2E880B731}" type="slidenum">
               <a:rPr lang="zh-CN" altLang="en-US" smtClean="0"/>
               <a:t>‹#›</a:t>
             </a:fld>
@@ -3003,7 +3003,7 @@
     </p:spTree>
     <p:extLst>
       <p:ext uri="{BB962C8B-B14F-4D97-AF65-F5344CB8AC3E}">
-        <p14:creationId xmlns:p14="http://schemas.microsoft.com/office/powerpoint/2010/main" val="3383537122"/>
+        <p14:creationId xmlns:p14="http://schemas.microsoft.com/office/powerpoint/2010/main" val="997532983"/>
       </p:ext>
     </p:extLst>
   </p:cSld>
